--- a/Capstone PPT Vishnu.pptx
+++ b/Capstone PPT Vishnu.pptx
@@ -1215,7 +1215,7 @@
         <a:lstStyle/>
         <a:p>
           <a:r>
-            <a:rPr lang="en-US"/>
+            <a:rPr lang="en-US" dirty="0"/>
             <a:t>For Convolutional Neural Network (CNN), It uses word embeddings and convolutional layers to extract features from text data and predict binary labels.</a:t>
           </a:r>
         </a:p>
@@ -2135,7 +2135,7 @@
             <a:buNone/>
           </a:pPr>
           <a:r>
-            <a:rPr lang="en-US" sz="1700" kern="1200"/>
+            <a:rPr lang="en-US" sz="1700" kern="1200" dirty="0"/>
             <a:t>For Convolutional Neural Network (CNN), It uses word embeddings and convolutional layers to extract features from text data and predict binary labels.</a:t>
           </a:r>
         </a:p>
@@ -7734,7 +7734,7 @@
         </p:nvSpPr>
         <p:spPr>
           <a:xfrm>
-            <a:off x="643468" y="643467"/>
+            <a:off x="643467" y="355274"/>
             <a:ext cx="4620584" cy="4567137"/>
           </a:xfrm>
         </p:spPr>
@@ -7746,15 +7746,9 @@
           <a:p>
             <a:pPr algn="l"/>
             <a:r>
-              <a:rPr lang="en-IN" sz="4400" kern="100">
-                <a:effectLst/>
-                <a:latin typeface="Times New Roman" panose="02020603050405020304" pitchFamily="18" charset="0"/>
-                <a:ea typeface="Calibri" panose="020F0502020204030204" pitchFamily="34" charset="0"/>
-                <a:cs typeface="Times New Roman" panose="02020603050405020304" pitchFamily="18" charset="0"/>
-              </a:rPr>
-              <a:t>Fake News Detection using Machine Learning Algorithms</a:t>
+              <a:rPr lang="en-US" sz="4400" b="1" dirty="0"/>
+              <a:t>Fake News Detection Using Machine Learning and Deep Learning</a:t>
             </a:r>
-            <a:endParaRPr lang="en-US" sz="4400"/>
           </a:p>
         </p:txBody>
       </p:sp>
@@ -7776,31 +7770,31 @@
         </p:nvSpPr>
         <p:spPr>
           <a:xfrm>
-            <a:off x="643467" y="5277684"/>
-            <a:ext cx="4620584" cy="775494"/>
+            <a:off x="643466" y="5277684"/>
+            <a:ext cx="5808133" cy="775494"/>
           </a:xfrm>
         </p:spPr>
         <p:txBody>
           <a:bodyPr>
-            <a:normAutofit/>
+            <a:noAutofit/>
           </a:bodyPr>
           <a:lstStyle/>
           <a:p>
             <a:pPr algn="l"/>
             <a:r>
-              <a:rPr lang="en-US" sz="1300"/>
+              <a:rPr lang="en-US" sz="1600" dirty="0"/>
               <a:t>Vishnu Vardhan Reddy Bijjam</a:t>
             </a:r>
           </a:p>
           <a:p>
             <a:pPr algn="l"/>
             <a:r>
-              <a:rPr lang="en-US" sz="1300">
+              <a:rPr lang="en-US" sz="1600" dirty="0">
                 <a:hlinkClick r:id="rId3"/>
               </a:rPr>
               <a:t>https://github.com/Vishnu-Bijjam/Capstone_Project_Vishnu</a:t>
             </a:r>
-            <a:endParaRPr lang="en-US" sz="1300"/>
+            <a:endParaRPr lang="en-US" sz="1600" dirty="0"/>
           </a:p>
         </p:txBody>
       </p:sp>
@@ -8827,6 +8821,14 @@
 <file path=ppt/slides/slide11.xml><?xml version="1.0" encoding="utf-8"?>
 <p:sld xmlns:a="http://schemas.openxmlformats.org/drawingml/2006/main" xmlns:r="http://schemas.openxmlformats.org/officeDocument/2006/relationships" xmlns:p="http://schemas.openxmlformats.org/presentationml/2006/main">
   <p:cSld>
+    <p:bg>
+      <p:bgPr>
+        <a:solidFill>
+          <a:schemeClr val="bg1"/>
+        </a:solidFill>
+        <a:effectLst/>
+      </p:bgPr>
+    </p:bg>
     <p:spTree>
       <p:nvGrpSpPr>
         <p:cNvPr id="1" name=""/>
@@ -8843,6 +8845,180 @@
       </p:grpSpPr>
       <p:sp>
         <p:nvSpPr>
+          <p:cNvPr id="17" name="Rectangle 16">
+            <a:extLst>
+              <a:ext uri="{FF2B5EF4-FFF2-40B4-BE49-F238E27FC236}">
+                <a16:creationId xmlns:a16="http://schemas.microsoft.com/office/drawing/2014/main" id="{E8A8EAB8-D2FF-444D-B34B-7D32F106AD0E}"/>
+              </a:ext>
+              <a:ext uri="{C183D7F6-B498-43B3-948B-1728B52AA6E4}">
+                <adec:decorative xmlns:adec="http://schemas.microsoft.com/office/drawing/2017/decorative" val="1"/>
+              </a:ext>
+            </a:extLst>
+          </p:cNvPr>
+          <p:cNvSpPr>
+            <a:spLocks noGrp="1" noRot="1" noChangeAspect="1" noMove="1" noResize="1" noEditPoints="1" noAdjustHandles="1" noChangeArrowheads="1" noChangeShapeType="1" noTextEdit="1"/>
+          </p:cNvSpPr>
+          <p:nvPr>
+            <p:extLst>
+              <p:ext uri="{386F3935-93C4-4BCD-93E2-E3B085C9AB24}">
+                <p16:designElem xmlns:p16="http://schemas.microsoft.com/office/powerpoint/2015/main" val="1"/>
+              </p:ext>
+            </p:extLst>
+          </p:nvPr>
+        </p:nvSpPr>
+        <p:spPr>
+          <a:xfrm>
+            <a:off x="0" y="0"/>
+            <a:ext cx="12192000" cy="6858000"/>
+          </a:xfrm>
+          <a:prstGeom prst="rect">
+            <a:avLst/>
+          </a:prstGeom>
+          <a:solidFill>
+            <a:schemeClr val="tx1">
+              <a:lumMod val="95000"/>
+              <a:lumOff val="5000"/>
+            </a:schemeClr>
+          </a:solidFill>
+          <a:ln>
+            <a:noFill/>
+          </a:ln>
+        </p:spPr>
+        <p:style>
+          <a:lnRef idx="2">
+            <a:schemeClr val="accent1">
+              <a:shade val="50000"/>
+            </a:schemeClr>
+          </a:lnRef>
+          <a:fillRef idx="1">
+            <a:schemeClr val="accent1"/>
+          </a:fillRef>
+          <a:effectRef idx="0">
+            <a:schemeClr val="accent1"/>
+          </a:effectRef>
+          <a:fontRef idx="minor">
+            <a:schemeClr val="lt1"/>
+          </a:fontRef>
+        </p:style>
+        <p:txBody>
+          <a:bodyPr rtlCol="0" anchor="ctr"/>
+          <a:lstStyle/>
+          <a:p>
+            <a:pPr algn="ctr"/>
+            <a:endParaRPr lang="en-US" dirty="0">
+              <a:solidFill>
+                <a:schemeClr val="bg1"/>
+              </a:solidFill>
+            </a:endParaRPr>
+          </a:p>
+        </p:txBody>
+      </p:sp>
+      <p:cxnSp>
+        <p:nvCxnSpPr>
+          <p:cNvPr id="19" name="Straight Connector 18">
+            <a:extLst>
+              <a:ext uri="{FF2B5EF4-FFF2-40B4-BE49-F238E27FC236}">
+                <a16:creationId xmlns:a16="http://schemas.microsoft.com/office/drawing/2014/main" id="{067633D1-6EE6-4118-B9F0-B363477BEE7A}"/>
+              </a:ext>
+              <a:ext uri="{C183D7F6-B498-43B3-948B-1728B52AA6E4}">
+                <adec:decorative xmlns:adec="http://schemas.microsoft.com/office/drawing/2017/decorative" val="1"/>
+              </a:ext>
+            </a:extLst>
+          </p:cNvPr>
+          <p:cNvCxnSpPr>
+            <a:cxnSpLocks noGrp="1" noRot="1" noChangeAspect="1" noMove="1" noResize="1" noEditPoints="1" noAdjustHandles="1" noChangeArrowheads="1" noChangeShapeType="1"/>
+          </p:cNvCxnSpPr>
+          <p:nvPr>
+            <p:extLst>
+              <p:ext uri="{386F3935-93C4-4BCD-93E2-E3B085C9AB24}">
+                <p16:designElem xmlns:p16="http://schemas.microsoft.com/office/powerpoint/2015/main" val="1"/>
+              </p:ext>
+            </p:extLst>
+          </p:nvPr>
+        </p:nvCxnSpPr>
+        <p:spPr>
+          <a:xfrm flipH="1">
+            <a:off x="1014141" y="1450655"/>
+            <a:ext cx="3932030" cy="0"/>
+          </a:xfrm>
+          <a:prstGeom prst="line">
+            <a:avLst/>
+          </a:prstGeom>
+          <a:ln w="12700">
+            <a:solidFill>
+              <a:schemeClr val="accent2"/>
+            </a:solidFill>
+          </a:ln>
+        </p:spPr>
+        <p:style>
+          <a:lnRef idx="1">
+            <a:schemeClr val="accent1"/>
+          </a:lnRef>
+          <a:fillRef idx="0">
+            <a:schemeClr val="accent1"/>
+          </a:fillRef>
+          <a:effectRef idx="0">
+            <a:schemeClr val="accent1"/>
+          </a:effectRef>
+          <a:fontRef idx="minor">
+            <a:schemeClr val="tx1"/>
+          </a:fontRef>
+        </p:style>
+      </p:cxnSp>
+      <p:cxnSp>
+        <p:nvCxnSpPr>
+          <p:cNvPr id="21" name="Straight Connector 20">
+            <a:extLst>
+              <a:ext uri="{FF2B5EF4-FFF2-40B4-BE49-F238E27FC236}">
+                <a16:creationId xmlns:a16="http://schemas.microsoft.com/office/drawing/2014/main" id="{4AD7FFC6-42A9-49CB-B5E9-B3F6B038331B}"/>
+              </a:ext>
+              <a:ext uri="{C183D7F6-B498-43B3-948B-1728B52AA6E4}">
+                <adec:decorative xmlns:adec="http://schemas.microsoft.com/office/drawing/2017/decorative" val="1"/>
+              </a:ext>
+            </a:extLst>
+          </p:cNvPr>
+          <p:cNvCxnSpPr>
+            <a:cxnSpLocks noGrp="1" noRot="1" noChangeAspect="1" noMove="1" noResize="1" noEditPoints="1" noAdjustHandles="1" noChangeArrowheads="1" noChangeShapeType="1"/>
+          </p:cNvCxnSpPr>
+          <p:nvPr>
+            <p:extLst>
+              <p:ext uri="{386F3935-93C4-4BCD-93E2-E3B085C9AB24}">
+                <p16:designElem xmlns:p16="http://schemas.microsoft.com/office/powerpoint/2015/main" val="1"/>
+              </p:ext>
+            </p:extLst>
+          </p:nvPr>
+        </p:nvCxnSpPr>
+        <p:spPr>
+          <a:xfrm flipH="1">
+            <a:off x="1014141" y="5408571"/>
+            <a:ext cx="3932030" cy="0"/>
+          </a:xfrm>
+          <a:prstGeom prst="line">
+            <a:avLst/>
+          </a:prstGeom>
+          <a:ln w="12700">
+            <a:solidFill>
+              <a:schemeClr val="accent2"/>
+            </a:solidFill>
+          </a:ln>
+        </p:spPr>
+        <p:style>
+          <a:lnRef idx="1">
+            <a:schemeClr val="accent1"/>
+          </a:lnRef>
+          <a:fillRef idx="0">
+            <a:schemeClr val="accent1"/>
+          </a:fillRef>
+          <a:effectRef idx="0">
+            <a:schemeClr val="accent1"/>
+          </a:effectRef>
+          <a:fontRef idx="minor">
+            <a:schemeClr val="tx1"/>
+          </a:fontRef>
+        </p:style>
+      </p:cxnSp>
+      <p:sp>
+        <p:nvSpPr>
           <p:cNvPr id="3" name="Content Placeholder 2">
             <a:extLst>
               <a:ext uri="{FF2B5EF4-FFF2-40B4-BE49-F238E27FC236}">
@@ -8859,12 +9035,12 @@
         </p:nvSpPr>
         <p:spPr>
           <a:xfrm>
-            <a:off x="3606800" y="2155825"/>
-            <a:ext cx="10515600" cy="4351338"/>
+            <a:off x="5507456" y="1041414"/>
+            <a:ext cx="5008901" cy="4571972"/>
           </a:xfrm>
         </p:spPr>
         <p:txBody>
-          <a:bodyPr>
+          <a:bodyPr anchor="ctr">
             <a:normAutofit/>
           </a:bodyPr>
           <a:lstStyle/>
@@ -8873,8 +9049,12 @@
               <a:buNone/>
             </a:pPr>
             <a:r>
-              <a:rPr lang="en-US" sz="9600" dirty="0"/>
-              <a:t>Q &amp; A</a:t>
+              <a:rPr lang="en-US" sz="7200" dirty="0">
+                <a:solidFill>
+                  <a:schemeClr val="bg1"/>
+                </a:solidFill>
+              </a:rPr>
+              <a:t>Thank you</a:t>
             </a:r>
           </a:p>
         </p:txBody>

--- a/Capstone PPT Vishnu.pptx
+++ b/Capstone PPT Vishnu.pptx
@@ -1126,7 +1126,7 @@
         <a:p>
           <a:r>
             <a:rPr lang="en-US" dirty="0"/>
-            <a:t>I trained data on three ML models such as Linear </a:t>
+            <a:t>I trained data on three ML models such as Logistic </a:t>
           </a:r>
           <a:r>
             <a:rPr lang="en-US" dirty="0" err="1"/>
@@ -1824,7 +1824,7 @@
           </a:pPr>
           <a:r>
             <a:rPr lang="en-US" sz="1700" kern="1200" dirty="0"/>
-            <a:t>I trained data on three ML models such as Linear </a:t>
+            <a:t>I trained data on three ML models such as Logistic </a:t>
           </a:r>
           <a:r>
             <a:rPr lang="en-US" sz="1700" kern="1200" dirty="0" err="1"/>
@@ -9591,11 +9591,8 @@
             </a:pPr>
             <a:r>
               <a:rPr lang="en-US" sz="1500" b="1" dirty="0"/>
-              <a:t>2. Reducing Manual Verification</a:t>
+              <a:t>2. </a:t>
             </a:r>
-            <a:br>
-              <a:rPr lang="en-US" sz="1500" dirty="0"/>
-            </a:br>
             <a:r>
               <a:rPr lang="en-US" sz="1500" dirty="0"/>
               <a:t>The goal was to </a:t>
@@ -9726,7 +9723,7 @@
           <a:lstStyle/>
           <a:p>
             <a:r>
-              <a:rPr lang="en-US" sz="3200"/>
+              <a:rPr lang="en-US" sz="3200" dirty="0"/>
               <a:t>Data Collection &amp; Sources</a:t>
             </a:r>
           </a:p>
@@ -12361,7 +12358,7 @@
             <p:ph idx="1"/>
             <p:extLst>
               <p:ext uri="{D42A27DB-BD31-4B8C-83A1-F6EECF244321}">
-                <p14:modId xmlns:p14="http://schemas.microsoft.com/office/powerpoint/2010/main" val="964080246"/>
+                <p14:modId xmlns:p14="http://schemas.microsoft.com/office/powerpoint/2010/main" val="3506817996"/>
               </p:ext>
             </p:extLst>
           </p:nvPr>
